--- a/Presentación1.pptx
+++ b/Presentación1.pptx
@@ -6,6 +6,9 @@
   </p:sldMasterIdLst>
   <p:sldIdLst>
     <p:sldId id="256" r:id="rId2"/>
+    <p:sldId id="257" r:id="rId3"/>
+    <p:sldId id="258" r:id="rId4"/>
+    <p:sldId id="259" r:id="rId5"/>
   </p:sldIdLst>
   <p:sldSz cx="12192000" cy="6858000"/>
   <p:notesSz cx="6858000" cy="9144000"/>
@@ -104,6 +107,11 @@
       </a:defRPr>
     </a:lvl9pPr>
   </p:defaultTextStyle>
+  <p:extLst>
+    <p:ext uri="{EFAFB233-063F-42B5-8137-9DF3F51BA10A}">
+      <p15:sldGuideLst xmlns:p15="http://schemas.microsoft.com/office/powerpoint/2012/main"/>
+    </p:ext>
+  </p:extLst>
 </p:presentation>
 </file>
 
@@ -256,7 +264,7 @@
           <a:p>
             <a:fld id="{ABF249EB-E311-485A-8AA6-6C4D0DE04CE9}" type="datetimeFigureOut">
               <a:rPr lang="es-DO" smtClean="0"/>
-              <a:t>8/3/2025</a:t>
+              <a:t>7/4/2025</a:t>
             </a:fld>
             <a:endParaRPr lang="es-DO"/>
           </a:p>
@@ -456,7 +464,7 @@
           <a:p>
             <a:fld id="{ABF249EB-E311-485A-8AA6-6C4D0DE04CE9}" type="datetimeFigureOut">
               <a:rPr lang="es-DO" smtClean="0"/>
-              <a:t>8/3/2025</a:t>
+              <a:t>7/4/2025</a:t>
             </a:fld>
             <a:endParaRPr lang="es-DO"/>
           </a:p>
@@ -666,7 +674,7 @@
           <a:p>
             <a:fld id="{ABF249EB-E311-485A-8AA6-6C4D0DE04CE9}" type="datetimeFigureOut">
               <a:rPr lang="es-DO" smtClean="0"/>
-              <a:t>8/3/2025</a:t>
+              <a:t>7/4/2025</a:t>
             </a:fld>
             <a:endParaRPr lang="es-DO"/>
           </a:p>
@@ -866,7 +874,7 @@
           <a:p>
             <a:fld id="{ABF249EB-E311-485A-8AA6-6C4D0DE04CE9}" type="datetimeFigureOut">
               <a:rPr lang="es-DO" smtClean="0"/>
-              <a:t>8/3/2025</a:t>
+              <a:t>7/4/2025</a:t>
             </a:fld>
             <a:endParaRPr lang="es-DO"/>
           </a:p>
@@ -1142,7 +1150,7 @@
           <a:p>
             <a:fld id="{ABF249EB-E311-485A-8AA6-6C4D0DE04CE9}" type="datetimeFigureOut">
               <a:rPr lang="es-DO" smtClean="0"/>
-              <a:t>8/3/2025</a:t>
+              <a:t>7/4/2025</a:t>
             </a:fld>
             <a:endParaRPr lang="es-DO"/>
           </a:p>
@@ -1410,7 +1418,7 @@
           <a:p>
             <a:fld id="{ABF249EB-E311-485A-8AA6-6C4D0DE04CE9}" type="datetimeFigureOut">
               <a:rPr lang="es-DO" smtClean="0"/>
-              <a:t>8/3/2025</a:t>
+              <a:t>7/4/2025</a:t>
             </a:fld>
             <a:endParaRPr lang="es-DO"/>
           </a:p>
@@ -1825,7 +1833,7 @@
           <a:p>
             <a:fld id="{ABF249EB-E311-485A-8AA6-6C4D0DE04CE9}" type="datetimeFigureOut">
               <a:rPr lang="es-DO" smtClean="0"/>
-              <a:t>8/3/2025</a:t>
+              <a:t>7/4/2025</a:t>
             </a:fld>
             <a:endParaRPr lang="es-DO"/>
           </a:p>
@@ -1967,7 +1975,7 @@
           <a:p>
             <a:fld id="{ABF249EB-E311-485A-8AA6-6C4D0DE04CE9}" type="datetimeFigureOut">
               <a:rPr lang="es-DO" smtClean="0"/>
-              <a:t>8/3/2025</a:t>
+              <a:t>7/4/2025</a:t>
             </a:fld>
             <a:endParaRPr lang="es-DO"/>
           </a:p>
@@ -2080,7 +2088,7 @@
           <a:p>
             <a:fld id="{ABF249EB-E311-485A-8AA6-6C4D0DE04CE9}" type="datetimeFigureOut">
               <a:rPr lang="es-DO" smtClean="0"/>
-              <a:t>8/3/2025</a:t>
+              <a:t>7/4/2025</a:t>
             </a:fld>
             <a:endParaRPr lang="es-DO"/>
           </a:p>
@@ -2393,7 +2401,7 @@
           <a:p>
             <a:fld id="{ABF249EB-E311-485A-8AA6-6C4D0DE04CE9}" type="datetimeFigureOut">
               <a:rPr lang="es-DO" smtClean="0"/>
-              <a:t>8/3/2025</a:t>
+              <a:t>7/4/2025</a:t>
             </a:fld>
             <a:endParaRPr lang="es-DO"/>
           </a:p>
@@ -2682,7 +2690,7 @@
           <a:p>
             <a:fld id="{ABF249EB-E311-485A-8AA6-6C4D0DE04CE9}" type="datetimeFigureOut">
               <a:rPr lang="es-DO" smtClean="0"/>
-              <a:t>8/3/2025</a:t>
+              <a:t>7/4/2025</a:t>
             </a:fld>
             <a:endParaRPr lang="es-DO"/>
           </a:p>
@@ -2925,7 +2933,7 @@
           <a:p>
             <a:fld id="{ABF249EB-E311-485A-8AA6-6C4D0DE04CE9}" type="datetimeFigureOut">
               <a:rPr lang="es-DO" smtClean="0"/>
-              <a:t>8/3/2025</a:t>
+              <a:t>7/4/2025</a:t>
             </a:fld>
             <a:endParaRPr lang="es-DO"/>
           </a:p>
@@ -3434,10 +3442,302 @@
           </a:extLst>
         </p:spPr>
       </p:pic>
+      <p:pic>
+        <p:nvPicPr>
+          <p:cNvPr id="3" name="Imagen 2">
+            <a:extLst>
+              <a:ext uri="{FF2B5EF4-FFF2-40B4-BE49-F238E27FC236}">
+                <a16:creationId xmlns:a16="http://schemas.microsoft.com/office/drawing/2014/main" id="{7432F25A-04E8-8A8E-4054-DE4F0D48548D}"/>
+              </a:ext>
+            </a:extLst>
+          </p:cNvPr>
+          <p:cNvPicPr>
+            <a:picLocks noChangeAspect="1"/>
+          </p:cNvPicPr>
+          <p:nvPr/>
+        </p:nvPicPr>
+        <p:blipFill>
+          <a:blip r:embed="rId4"/>
+          <a:stretch>
+            <a:fillRect/>
+          </a:stretch>
+        </p:blipFill>
+        <p:spPr>
+          <a:xfrm>
+            <a:off x="0" y="2475359"/>
+            <a:ext cx="12192000" cy="1907281"/>
+          </a:xfrm>
+          <a:prstGeom prst="rect">
+            <a:avLst/>
+          </a:prstGeom>
+          <a:solidFill>
+            <a:srgbClr val="004C6C"/>
+          </a:solidFill>
+        </p:spPr>
+      </p:pic>
+      <p:sp>
+        <p:nvSpPr>
+          <p:cNvPr id="4" name="Rectángulo 3">
+            <a:extLst>
+              <a:ext uri="{FF2B5EF4-FFF2-40B4-BE49-F238E27FC236}">
+                <a16:creationId xmlns:a16="http://schemas.microsoft.com/office/drawing/2014/main" id="{3E5F6E96-B094-F71F-AA4D-ACAD6676C82E}"/>
+              </a:ext>
+            </a:extLst>
+          </p:cNvPr>
+          <p:cNvSpPr/>
+          <p:nvPr/>
+        </p:nvSpPr>
+        <p:spPr>
+          <a:xfrm>
+            <a:off x="5814417" y="409081"/>
+            <a:ext cx="1089498" cy="739302"/>
+          </a:xfrm>
+          <a:prstGeom prst="rect">
+            <a:avLst/>
+          </a:prstGeom>
+          <a:solidFill>
+            <a:srgbClr val="004C6C"/>
+          </a:solidFill>
+        </p:spPr>
+        <p:style>
+          <a:lnRef idx="2">
+            <a:schemeClr val="accent1">
+              <a:shade val="15000"/>
+            </a:schemeClr>
+          </a:lnRef>
+          <a:fillRef idx="1">
+            <a:schemeClr val="accent1"/>
+          </a:fillRef>
+          <a:effectRef idx="0">
+            <a:schemeClr val="accent1"/>
+          </a:effectRef>
+          <a:fontRef idx="minor">
+            <a:schemeClr val="lt1"/>
+          </a:fontRef>
+        </p:style>
+        <p:txBody>
+          <a:bodyPr rtlCol="0" anchor="ctr"/>
+          <a:lstStyle/>
+          <a:p>
+            <a:pPr algn="ctr"/>
+            <a:endParaRPr lang="es-DO" dirty="0"/>
+          </a:p>
+        </p:txBody>
+      </p:sp>
+      <p:pic>
+        <p:nvPicPr>
+          <p:cNvPr id="6" name="Imagen 5">
+            <a:extLst>
+              <a:ext uri="{FF2B5EF4-FFF2-40B4-BE49-F238E27FC236}">
+                <a16:creationId xmlns:a16="http://schemas.microsoft.com/office/drawing/2014/main" id="{81B9A7DD-3978-3AD9-1F10-5F8EAEED254C}"/>
+              </a:ext>
+            </a:extLst>
+          </p:cNvPr>
+          <p:cNvPicPr>
+            <a:picLocks noChangeAspect="1"/>
+          </p:cNvPicPr>
+          <p:nvPr/>
+        </p:nvPicPr>
+        <p:blipFill>
+          <a:blip r:embed="rId5"/>
+          <a:stretch>
+            <a:fillRect/>
+          </a:stretch>
+        </p:blipFill>
+        <p:spPr>
+          <a:xfrm>
+            <a:off x="7516367" y="244971"/>
+            <a:ext cx="2307763" cy="2307763"/>
+          </a:xfrm>
+          <a:prstGeom prst="rect">
+            <a:avLst/>
+          </a:prstGeom>
+        </p:spPr>
+      </p:pic>
     </p:spTree>
     <p:extLst>
       <p:ext uri="{BB962C8B-B14F-4D97-AF65-F5344CB8AC3E}">
         <p14:creationId xmlns:p14="http://schemas.microsoft.com/office/powerpoint/2010/main" val="1424125006"/>
+      </p:ext>
+    </p:extLst>
+  </p:cSld>
+  <p:clrMapOvr>
+    <a:masterClrMapping/>
+  </p:clrMapOvr>
+</p:sld>
+</file>
+
+<file path=ppt/slides/slide2.xml><?xml version="1.0" encoding="utf-8"?>
+<p:sld xmlns:a="http://schemas.openxmlformats.org/drawingml/2006/main" xmlns:r="http://schemas.openxmlformats.org/officeDocument/2006/relationships" xmlns:p="http://schemas.openxmlformats.org/presentationml/2006/main">
+  <p:cSld>
+    <p:spTree>
+      <p:nvGrpSpPr>
+        <p:cNvPr id="1" name=""/>
+        <p:cNvGrpSpPr/>
+        <p:nvPr/>
+      </p:nvGrpSpPr>
+      <p:grpSpPr>
+        <a:xfrm>
+          <a:off x="0" y="0"/>
+          <a:ext cx="0" cy="0"/>
+          <a:chOff x="0" y="0"/>
+          <a:chExt cx="0" cy="0"/>
+        </a:xfrm>
+      </p:grpSpPr>
+      <p:pic>
+        <p:nvPicPr>
+          <p:cNvPr id="5" name="Imagen 4">
+            <a:extLst>
+              <a:ext uri="{FF2B5EF4-FFF2-40B4-BE49-F238E27FC236}">
+                <a16:creationId xmlns:a16="http://schemas.microsoft.com/office/drawing/2014/main" id="{A59D9576-4CC4-8540-587C-BF94479EB6B4}"/>
+              </a:ext>
+            </a:extLst>
+          </p:cNvPr>
+          <p:cNvPicPr>
+            <a:picLocks noChangeAspect="1"/>
+          </p:cNvPicPr>
+          <p:nvPr/>
+        </p:nvPicPr>
+        <p:blipFill>
+          <a:blip r:embed="rId2"/>
+          <a:stretch>
+            <a:fillRect/>
+          </a:stretch>
+        </p:blipFill>
+        <p:spPr>
+          <a:xfrm>
+            <a:off x="1466850" y="338137"/>
+            <a:ext cx="9258300" cy="6181725"/>
+          </a:xfrm>
+          <a:prstGeom prst="rect">
+            <a:avLst/>
+          </a:prstGeom>
+        </p:spPr>
+      </p:pic>
+    </p:spTree>
+    <p:extLst>
+      <p:ext uri="{BB962C8B-B14F-4D97-AF65-F5344CB8AC3E}">
+        <p14:creationId xmlns:p14="http://schemas.microsoft.com/office/powerpoint/2010/main" val="4216803287"/>
+      </p:ext>
+    </p:extLst>
+  </p:cSld>
+  <p:clrMapOvr>
+    <a:masterClrMapping/>
+  </p:clrMapOvr>
+</p:sld>
+</file>
+
+<file path=ppt/slides/slide3.xml><?xml version="1.0" encoding="utf-8"?>
+<p:sld xmlns:a="http://schemas.openxmlformats.org/drawingml/2006/main" xmlns:r="http://schemas.openxmlformats.org/officeDocument/2006/relationships" xmlns:p="http://schemas.openxmlformats.org/presentationml/2006/main">
+  <p:cSld>
+    <p:spTree>
+      <p:nvGrpSpPr>
+        <p:cNvPr id="1" name=""/>
+        <p:cNvGrpSpPr/>
+        <p:nvPr/>
+      </p:nvGrpSpPr>
+      <p:grpSpPr>
+        <a:xfrm>
+          <a:off x="0" y="0"/>
+          <a:ext cx="0" cy="0"/>
+          <a:chOff x="0" y="0"/>
+          <a:chExt cx="0" cy="0"/>
+        </a:xfrm>
+      </p:grpSpPr>
+      <p:pic>
+        <p:nvPicPr>
+          <p:cNvPr id="5" name="Imagen 4">
+            <a:extLst>
+              <a:ext uri="{FF2B5EF4-FFF2-40B4-BE49-F238E27FC236}">
+                <a16:creationId xmlns:a16="http://schemas.microsoft.com/office/drawing/2014/main" id="{1F50BE7A-4958-D921-ADA8-A43E914071DC}"/>
+              </a:ext>
+            </a:extLst>
+          </p:cNvPr>
+          <p:cNvPicPr>
+            <a:picLocks noChangeAspect="1"/>
+          </p:cNvPicPr>
+          <p:nvPr/>
+        </p:nvPicPr>
+        <p:blipFill>
+          <a:blip r:embed="rId2"/>
+          <a:stretch>
+            <a:fillRect/>
+          </a:stretch>
+        </p:blipFill>
+        <p:spPr>
+          <a:xfrm>
+            <a:off x="1398587" y="277812"/>
+            <a:ext cx="9191625" cy="6048375"/>
+          </a:xfrm>
+          <a:prstGeom prst="rect">
+            <a:avLst/>
+          </a:prstGeom>
+        </p:spPr>
+      </p:pic>
+    </p:spTree>
+    <p:extLst>
+      <p:ext uri="{BB962C8B-B14F-4D97-AF65-F5344CB8AC3E}">
+        <p14:creationId xmlns:p14="http://schemas.microsoft.com/office/powerpoint/2010/main" val="3771449465"/>
+      </p:ext>
+    </p:extLst>
+  </p:cSld>
+  <p:clrMapOvr>
+    <a:masterClrMapping/>
+  </p:clrMapOvr>
+</p:sld>
+</file>
+
+<file path=ppt/slides/slide4.xml><?xml version="1.0" encoding="utf-8"?>
+<p:sld xmlns:a="http://schemas.openxmlformats.org/drawingml/2006/main" xmlns:r="http://schemas.openxmlformats.org/officeDocument/2006/relationships" xmlns:p="http://schemas.openxmlformats.org/presentationml/2006/main">
+  <p:cSld>
+    <p:spTree>
+      <p:nvGrpSpPr>
+        <p:cNvPr id="1" name=""/>
+        <p:cNvGrpSpPr/>
+        <p:nvPr/>
+      </p:nvGrpSpPr>
+      <p:grpSpPr>
+        <a:xfrm>
+          <a:off x="0" y="0"/>
+          <a:ext cx="0" cy="0"/>
+          <a:chOff x="0" y="0"/>
+          <a:chExt cx="0" cy="0"/>
+        </a:xfrm>
+      </p:grpSpPr>
+      <p:pic>
+        <p:nvPicPr>
+          <p:cNvPr id="5" name="Imagen 4">
+            <a:extLst>
+              <a:ext uri="{FF2B5EF4-FFF2-40B4-BE49-F238E27FC236}">
+                <a16:creationId xmlns:a16="http://schemas.microsoft.com/office/drawing/2014/main" id="{526E8768-7FB4-A81C-5305-8FD9ACDFF113}"/>
+              </a:ext>
+            </a:extLst>
+          </p:cNvPr>
+          <p:cNvPicPr>
+            <a:picLocks noChangeAspect="1"/>
+          </p:cNvPicPr>
+          <p:nvPr/>
+        </p:nvPicPr>
+        <p:blipFill>
+          <a:blip r:embed="rId2"/>
+          <a:stretch>
+            <a:fillRect/>
+          </a:stretch>
+        </p:blipFill>
+        <p:spPr>
+          <a:xfrm>
+            <a:off x="1504950" y="409575"/>
+            <a:ext cx="9182100" cy="6038850"/>
+          </a:xfrm>
+          <a:prstGeom prst="rect">
+            <a:avLst/>
+          </a:prstGeom>
+        </p:spPr>
+      </p:pic>
+    </p:spTree>
+    <p:extLst>
+      <p:ext uri="{BB962C8B-B14F-4D97-AF65-F5344CB8AC3E}">
+        <p14:creationId xmlns:p14="http://schemas.microsoft.com/office/powerpoint/2010/main" val="814483423"/>
       </p:ext>
     </p:extLst>
   </p:cSld>
